--- a/lecture1.pptx
+++ b/lecture1.pptx
@@ -193,7 +193,7 @@
           <a:p>
             <a:fld id="{FE619CA7-AB6E-424F-84EF-CA4531E46427}" type="datetimeFigureOut">
               <a:rPr lang="en-IN" smtClean="0"/>
-              <a:t>14-10-2019</a:t>
+              <a:t>03-11-2019</a:t>
             </a:fld>
             <a:endParaRPr lang="en-IN"/>
           </a:p>
@@ -406,7 +406,7 @@
           <a:p>
             <a:fld id="{FE619CA7-AB6E-424F-84EF-CA4531E46427}" type="datetimeFigureOut">
               <a:rPr lang="en-IN" smtClean="0"/>
-              <a:t>14-10-2019</a:t>
+              <a:t>03-11-2019</a:t>
             </a:fld>
             <a:endParaRPr lang="en-IN"/>
           </a:p>
@@ -1717,8 +1717,13 @@
           <a:p>
             <a:r>
               <a:rPr lang="en-US" dirty="0"/>
-              <a:t>SaaS</a:t>
-            </a:r>
+              <a:t>SaaS : Software as </a:t>
+            </a:r>
+            <a:r>
+              <a:rPr lang="en-US"/>
+              <a:t>a Service</a:t>
+            </a:r>
+            <a:endParaRPr lang="en-US" dirty="0"/>
           </a:p>
           <a:p>
             <a:endParaRPr lang="en-US" dirty="0"/>
@@ -1920,7 +1925,19 @@
             </a:r>
             <a:r>
               <a:rPr lang="en-US" dirty="0"/>
-              <a:t> : perpetually licensed software, IT maintenance, warranty on products, credit    card, </a:t>
+              <a:t> : </a:t>
+            </a:r>
+            <a:r>
+              <a:rPr lang="en-US" dirty="0">
+                <a:highlight>
+                  <a:srgbClr val="FFFF00"/>
+                </a:highlight>
+              </a:rPr>
+              <a:t>perpetually licensed software, IT maintenance, warranty on products, credit    card</a:t>
+            </a:r>
+            <a:r>
+              <a:rPr lang="en-US" dirty="0"/>
+              <a:t>, </a:t>
             </a:r>
             <a:r>
               <a:rPr lang="en-US" strike="sngStrike" dirty="0"/>
@@ -2120,8 +2137,12 @@
           </a:p>
           <a:p>
             <a:r>
+              <a:rPr lang="en-US" sz="1600" b="1" dirty="0"/>
+              <a:t>Marketplace</a:t>
+            </a:r>
+            <a:r>
               <a:rPr lang="en-US" sz="1600" dirty="0"/>
-              <a:t>Marketplace : a place where producers and consumers come together and proximity is established physically or virtually. Example : Amazon, Ola, </a:t>
+              <a:t> : a place where producers and consumers come together and proximity is established physically or virtually. Example : Amazon, Ola, </a:t>
             </a:r>
             <a:r>
               <a:rPr lang="en-US" sz="1600" dirty="0" err="1"/>
@@ -2132,7 +2153,15 @@
           <a:p>
             <a:r>
               <a:rPr lang="en-US" sz="1600" dirty="0"/>
-              <a:t>It is the efficient way of distribution of goods.</a:t>
+              <a:t>It is the efficient way of </a:t>
+            </a:r>
+            <a:r>
+              <a:rPr lang="en-US" sz="1600" i="1" dirty="0"/>
+              <a:t>distribution of goods</a:t>
+            </a:r>
+            <a:r>
+              <a:rPr lang="en-US" sz="1600" dirty="0"/>
+              <a:t>.</a:t>
             </a:r>
           </a:p>
           <a:p>
@@ -2140,29 +2169,45 @@
           </a:p>
           <a:p>
             <a:r>
+              <a:rPr lang="en-US" sz="1600" b="1" dirty="0"/>
+              <a:t>Discover prices </a:t>
+            </a:r>
+            <a:r>
               <a:rPr lang="en-US" sz="1600" dirty="0"/>
-              <a:t>Discover prices : find out price through negotiations </a:t>
-            </a:r>
-          </a:p>
-          <a:p>
+              <a:t>: find out price through negotiations </a:t>
+            </a:r>
+          </a:p>
+          <a:p>
+            <a:r>
+              <a:rPr lang="en-US" sz="1600" i="1" dirty="0"/>
+              <a:t>Discovery is called the clearing function of the market. </a:t>
+            </a:r>
             <a:r>
               <a:rPr lang="en-US" sz="1600" dirty="0"/>
-              <a:t>Discovery is called the clearing function of the market. (cleared = sold)</a:t>
-            </a:r>
-          </a:p>
-          <a:p>
-            <a:r>
-              <a:rPr lang="en-US" sz="1600" dirty="0"/>
-              <a:t>The prices have crashed nearly 91 per cent in the past couple of months from Rs 21.51 per kg on October 17 to Rs 1 per kg on December 24. The prices have crashed due to sudden rise in supply of summer onions in the market. The summer crop, harvested in March and April, has a storage life of about six months.</a:t>
-            </a:r>
-          </a:p>
-          <a:p>
-            <a:endParaRPr lang="en-US" sz="1600" dirty="0"/>
+              <a:t>(cleared = sold)</a:t>
+            </a:r>
           </a:p>
           <a:p>
             <a:r>
               <a:rPr lang="en-US" sz="1600" dirty="0"/>
               <a:t>Market collects and distributes goods and services so it is a clearing house.</a:t>
+            </a:r>
+          </a:p>
+          <a:p>
+            <a:endParaRPr lang="en-US" sz="1600" dirty="0"/>
+          </a:p>
+          <a:p>
+            <a:r>
+              <a:rPr lang="en-US" sz="1600" dirty="0"/>
+              <a:t>The prices have </a:t>
+            </a:r>
+            <a:r>
+              <a:rPr lang="en-US" sz="1600" b="1" dirty="0"/>
+              <a:t>crashed</a:t>
+            </a:r>
+            <a:r>
+              <a:rPr lang="en-US" sz="1600" dirty="0"/>
+              <a:t> nearly 91 per cent in the past couple of months from Rs 21.51 per kg on October 17 to Rs 1 per kg on December 24. The prices have crashed due to sudden rise in supply of summer onions in the market. The summer crop, harvested in March and April, has a storage life of about six months.</a:t>
             </a:r>
           </a:p>
           <a:p>
@@ -2328,7 +2373,7 @@
           <a:p>
             <a:r>
               <a:rPr lang="en-IN" dirty="0"/>
-              <a:t>Price inflation during the  Big Billion Day sale.</a:t>
+              <a:t>Price inflation during the Big Billion Day sale.</a:t>
             </a:r>
           </a:p>
           <a:p>
@@ -2486,10 +2531,20 @@
           <a:lstStyle/>
           <a:p>
             <a:r>
-              <a:rPr lang="en-US" dirty="0"/>
+              <a:rPr lang="en-US" dirty="0">
+                <a:solidFill>
+                  <a:srgbClr val="FF0000"/>
+                </a:solidFill>
+                <a:latin typeface="Century Schoolbook" panose="02040604050505020304" pitchFamily="18" charset="0"/>
+              </a:rPr>
               <a:t>Air and rail tickets can be thought of as license and not goods because they are not transferrable.</a:t>
             </a:r>
-            <a:endParaRPr lang="en-IN" dirty="0"/>
+            <a:endParaRPr lang="en-IN" dirty="0">
+              <a:solidFill>
+                <a:srgbClr val="FF0000"/>
+              </a:solidFill>
+              <a:latin typeface="Century Schoolbook" panose="02040604050505020304" pitchFamily="18" charset="0"/>
+            </a:endParaRPr>
           </a:p>
         </p:txBody>
       </p:sp>
@@ -2522,10 +2577,96 @@
           <a:lstStyle/>
           <a:p>
             <a:r>
-              <a:rPr lang="en-US" dirty="0"/>
+              <a:rPr lang="en-US" dirty="0">
+                <a:solidFill>
+                  <a:srgbClr val="FF0000"/>
+                </a:solidFill>
+                <a:latin typeface="Century Schoolbook" panose="02040604050505020304" pitchFamily="18" charset="0"/>
+              </a:rPr>
               <a:t>Ration shop, Mid-day meal</a:t>
             </a:r>
+            <a:endParaRPr lang="en-IN" dirty="0">
+              <a:solidFill>
+                <a:srgbClr val="FF0000"/>
+              </a:solidFill>
+              <a:latin typeface="Century Schoolbook" panose="02040604050505020304" pitchFamily="18" charset="0"/>
+            </a:endParaRPr>
+          </a:p>
+        </p:txBody>
+      </p:sp>
+      <p:sp>
+        <p:nvSpPr>
+          <p:cNvPr id="6" name="TextBox 5">
+            <a:extLst>
+              <a:ext uri="{FF2B5EF4-FFF2-40B4-BE49-F238E27FC236}">
+                <a16:creationId xmlns:a16="http://schemas.microsoft.com/office/drawing/2014/main" id="{E6DBC9B8-4536-41BF-8582-FFC54C0FA12A}"/>
+              </a:ext>
+            </a:extLst>
+          </p:cNvPr>
+          <p:cNvSpPr txBox="1"/>
+          <p:nvPr/>
+        </p:nvSpPr>
+        <p:spPr>
+          <a:xfrm>
+            <a:off x="956603" y="1659988"/>
+            <a:ext cx="184731" cy="369332"/>
+          </a:xfrm>
+          <a:prstGeom prst="rect">
+            <a:avLst/>
+          </a:prstGeom>
+          <a:noFill/>
+        </p:spPr>
+        <p:txBody>
+          <a:bodyPr wrap="none" rtlCol="0">
+            <a:spAutoFit/>
+          </a:bodyPr>
+          <a:lstStyle/>
+          <a:p>
             <a:endParaRPr lang="en-IN" dirty="0"/>
+          </a:p>
+        </p:txBody>
+      </p:sp>
+      <p:sp>
+        <p:nvSpPr>
+          <p:cNvPr id="7" name="TextBox 6">
+            <a:extLst>
+              <a:ext uri="{FF2B5EF4-FFF2-40B4-BE49-F238E27FC236}">
+                <a16:creationId xmlns:a16="http://schemas.microsoft.com/office/drawing/2014/main" id="{03482D91-831A-4536-B0CD-FBEF3931901B}"/>
+              </a:ext>
+            </a:extLst>
+          </p:cNvPr>
+          <p:cNvSpPr txBox="1"/>
+          <p:nvPr/>
+        </p:nvSpPr>
+        <p:spPr>
+          <a:xfrm>
+            <a:off x="2097937" y="1475322"/>
+            <a:ext cx="1321772" cy="369332"/>
+          </a:xfrm>
+          <a:prstGeom prst="rect">
+            <a:avLst/>
+          </a:prstGeom>
+          <a:noFill/>
+        </p:spPr>
+        <p:txBody>
+          <a:bodyPr wrap="none" rtlCol="0">
+            <a:spAutoFit/>
+          </a:bodyPr>
+          <a:lstStyle/>
+          <a:p>
+            <a:r>
+              <a:rPr lang="en-US" dirty="0">
+                <a:highlight>
+                  <a:srgbClr val="FFFF00"/>
+                </a:highlight>
+              </a:rPr>
+              <a:t>IMPORTANT</a:t>
+            </a:r>
+            <a:endParaRPr lang="en-IN" dirty="0">
+              <a:highlight>
+                <a:srgbClr val="FFFF00"/>
+              </a:highlight>
+            </a:endParaRPr>
           </a:p>
         </p:txBody>
       </p:sp>
@@ -2946,7 +3087,7 @@
         <p:spPr>
           <a:xfrm>
             <a:off x="457200" y="1253825"/>
-            <a:ext cx="8349175" cy="3693319"/>
+            <a:ext cx="8349175" cy="5170646"/>
           </a:xfrm>
           <a:prstGeom prst="rect">
             <a:avLst/>
@@ -2960,40 +3101,48 @@
           <a:lstStyle/>
           <a:p>
             <a:r>
-              <a:rPr lang="en-US" dirty="0"/>
+              <a:rPr lang="en-US" sz="2200" dirty="0"/>
               <a:t>A </a:t>
             </a:r>
             <a:r>
-              <a:rPr lang="en-US" dirty="0" err="1"/>
+              <a:rPr lang="en-US" sz="2200" dirty="0" err="1"/>
               <a:t>Giffen</a:t>
             </a:r>
             <a:r>
-              <a:rPr lang="en-US" dirty="0"/>
-              <a:t> good is basically a type of inferior good (good whose demand falls when income increases) which has no close substitutes. Let us take the example of potatoes and cheese to understand this.</a:t>
-            </a:r>
-          </a:p>
-          <a:p>
-            <a:r>
-              <a:rPr lang="en-US" dirty="0"/>
+              <a:rPr lang="en-US" sz="2200" dirty="0"/>
+              <a:t> good is basically a type of inferior good (good whose demand falls when income increases) </a:t>
+            </a:r>
+            <a:r>
+              <a:rPr lang="en-US" sz="2200" i="1" dirty="0"/>
+              <a:t>which has no close substitutes</a:t>
+            </a:r>
+            <a:r>
+              <a:rPr lang="en-US" sz="2200" dirty="0"/>
+              <a:t>. Let us take the example of potatoes and cheese to understand this.</a:t>
+            </a:r>
+          </a:p>
+          <a:p>
+            <a:r>
+              <a:rPr lang="en-US" sz="2200" dirty="0"/>
               <a:t>A poor consumer spends a large part of his income on potatoes as it is one of the cheapest vegetable available in the market. Cheese, on the other hand, is considered a superior food that can be say consumed in place of potatoes but is expensive to buy.</a:t>
             </a:r>
           </a:p>
           <a:p>
             <a:r>
-              <a:rPr lang="en-US" dirty="0"/>
+              <a:rPr lang="en-US" sz="2200" dirty="0"/>
               <a:t>When price of potatoes rise, people give up spending on all other goods and concentrate all their purchasing power towards procurement of potatoes as that is a necessary staple for them and there is no other close substitute. However, when price of potatoes fall, people decrease their consumption of potatoes even further to make use of their increased purchasing power to buy more of superior goods like cheese. That’s how </a:t>
             </a:r>
             <a:r>
-              <a:rPr lang="en-US" dirty="0" err="1"/>
+              <a:rPr lang="en-US" sz="2200" dirty="0" err="1"/>
               <a:t>Giffen</a:t>
             </a:r>
             <a:r>
-              <a:rPr lang="en-US" dirty="0"/>
+              <a:rPr lang="en-US" sz="2200" dirty="0"/>
               <a:t> goods work and defy the law of demand.</a:t>
             </a:r>
           </a:p>
           <a:p>
-            <a:endParaRPr lang="en-US" dirty="0"/>
+            <a:endParaRPr lang="en-US" sz="2200" dirty="0"/>
           </a:p>
         </p:txBody>
       </p:sp>
@@ -3158,7 +3307,7 @@
         <p:spPr>
           <a:xfrm>
             <a:off x="337625" y="1225689"/>
-            <a:ext cx="8349175" cy="3139321"/>
+            <a:ext cx="8349175" cy="4493538"/>
           </a:xfrm>
           <a:prstGeom prst="rect">
             <a:avLst/>
@@ -3172,39 +3321,39 @@
           <a:lstStyle/>
           <a:p>
             <a:r>
-              <a:rPr lang="en-US" dirty="0"/>
+              <a:rPr lang="en-US" sz="2200" dirty="0"/>
               <a:t>Veblen goods on the other hand, relate to prestige goods such as diamond, gold, antique paintings </a:t>
             </a:r>
             <a:r>
-              <a:rPr lang="en-US" dirty="0" err="1"/>
+              <a:rPr lang="en-US" sz="2200" dirty="0" err="1"/>
               <a:t>etc</a:t>
             </a:r>
             <a:r>
-              <a:rPr lang="en-US" dirty="0"/>
+              <a:rPr lang="en-US" sz="2200" dirty="0"/>
               <a:t> which are used as status symbols. They are wanted for prestige and distinction. Psychology that, higher the price, higher is the worth of the good exist in case of these goods. If the price falls, value/ prestige associated with the good also falls down leading to a fall in quantity demanded of the good as well.</a:t>
             </a:r>
-            <a:endParaRPr lang="en-IN" dirty="0"/>
-          </a:p>
-          <a:p>
-            <a:endParaRPr lang="en-US" b="1" dirty="0"/>
-          </a:p>
-          <a:p>
-            <a:r>
-              <a:rPr lang="en-US" b="1" dirty="0"/>
-              <a:t>Definition: </a:t>
-            </a:r>
-            <a:r>
-              <a:rPr lang="en-US" dirty="0"/>
-              <a:t>Conspicuous consumption is the practice of purchasing goods or services to publicly display wealth rather than to cover basic needs.</a:t>
+            <a:endParaRPr lang="en-IN" sz="2200" dirty="0"/>
+          </a:p>
+          <a:p>
+            <a:endParaRPr lang="en-US" sz="2200" b="1" dirty="0"/>
+          </a:p>
+          <a:p>
+            <a:r>
+              <a:rPr lang="en-US" sz="2200" b="1" dirty="0"/>
+              <a:t>Conspicuous consumption </a:t>
+            </a:r>
+            <a:r>
+              <a:rPr lang="en-US" sz="2200" dirty="0"/>
+              <a:t>is the practice of purchasing goods or services to publicly display wealth rather than to cover basic needs.</a:t>
             </a:r>
             <a:br>
-              <a:rPr lang="en-US" dirty="0"/>
+              <a:rPr lang="en-US" sz="2200" dirty="0"/>
             </a:br>
             <a:r>
-              <a:rPr lang="en-US" dirty="0"/>
+              <a:rPr lang="en-US" sz="2200" dirty="0"/>
               <a:t>The word 'Conspicuous' here means lavish or wasteful spending. This kind of spending is generally made by people who have considerable amount of disposable income to spend on goods and services which are not necessary, but are more luxurious in nature.</a:t>
             </a:r>
-            <a:endParaRPr lang="en-IN" dirty="0"/>
+            <a:endParaRPr lang="en-IN" sz="2200" dirty="0"/>
           </a:p>
         </p:txBody>
       </p:sp>
@@ -3266,7 +3415,19 @@
           <a:p>
             <a:r>
               <a:rPr lang="en-US" dirty="0"/>
-              <a:t>Snob effect</a:t>
+              <a:t>Snob effect (</a:t>
+            </a:r>
+            <a:r>
+              <a:rPr lang="en-US" dirty="0">
+                <a:highlight>
+                  <a:srgbClr val="FF0000"/>
+                </a:highlight>
+              </a:rPr>
+              <a:t>negative</a:t>
+            </a:r>
+            <a:r>
+              <a:rPr lang="en-US" dirty="0"/>
+              <a:t> externality)</a:t>
             </a:r>
             <a:endParaRPr lang="en-IN" dirty="0"/>
           </a:p>
@@ -3287,7 +3448,7 @@
         <p:spPr>
           <a:xfrm>
             <a:off x="337625" y="1225689"/>
-            <a:ext cx="8349175" cy="923330"/>
+            <a:ext cx="8349175" cy="1200329"/>
           </a:xfrm>
           <a:prstGeom prst="rect">
             <a:avLst/>
@@ -3301,8 +3462,18 @@
           <a:lstStyle/>
           <a:p>
             <a:r>
-              <a:rPr lang="en-US" dirty="0"/>
-              <a:t>snob : a person with an exaggerated respect for high social position or wealth who seeks to associate with social superiors and looks down on those regarded as socially inferior.</a:t>
+              <a:rPr lang="en-US" b="1" dirty="0"/>
+              <a:t>snob</a:t>
+            </a:r>
+            <a:r>
+              <a:rPr lang="en-US" dirty="0"/>
+              <a:t> : a person with an exaggerated respect for high social position or wealth who seeks to associate with social superiors and looks down on those regarded as socially inferior.</a:t>
+            </a:r>
+          </a:p>
+          <a:p>
+            <a:r>
+              <a:rPr lang="en-US" dirty="0"/>
+              <a:t>Snob effect refers to the desire to possess a unique commodity having a prestige value.</a:t>
             </a:r>
           </a:p>
         </p:txBody>
@@ -3524,12 +3695,26 @@
           </a:xfrm>
         </p:spPr>
         <p:txBody>
-          <a:bodyPr/>
-          <a:lstStyle/>
-          <a:p>
-            <a:r>
-              <a:rPr lang="en-US" dirty="0"/>
-              <a:t>Bandwagon effect</a:t>
+          <a:bodyPr>
+            <a:normAutofit fontScale="90000"/>
+          </a:bodyPr>
+          <a:lstStyle/>
+          <a:p>
+            <a:r>
+              <a:rPr lang="en-US" dirty="0"/>
+              <a:t>Bandwagon effect (</a:t>
+            </a:r>
+            <a:r>
+              <a:rPr lang="en-US" dirty="0">
+                <a:highlight>
+                  <a:srgbClr val="FFFF00"/>
+                </a:highlight>
+              </a:rPr>
+              <a:t>positive</a:t>
+            </a:r>
+            <a:r>
+              <a:rPr lang="en-US" dirty="0"/>
+              <a:t> externality)</a:t>
             </a:r>
             <a:endParaRPr lang="en-IN" dirty="0"/>
           </a:p>
@@ -3550,7 +3735,7 @@
         <p:spPr>
           <a:xfrm>
             <a:off x="337625" y="1225689"/>
-            <a:ext cx="8349175" cy="1477328"/>
+            <a:ext cx="8349175" cy="2585323"/>
           </a:xfrm>
           <a:prstGeom prst="rect">
             <a:avLst/>
@@ -3580,11 +3765,16 @@
           <a:p>
             <a:r>
               <a:rPr lang="en-US" dirty="0"/>
-              <a:t>The snobs are no </a:t>
-            </a:r>
-            <a:r>
-              <a:rPr lang="en-US"/>
-              <a:t>longer snob.</a:t>
+              <a:t>The snobs are no longer snob.</a:t>
+            </a:r>
+          </a:p>
+          <a:p>
+            <a:endParaRPr lang="en-US" dirty="0"/>
+          </a:p>
+          <a:p>
+            <a:r>
+              <a:rPr lang="en-US" dirty="0"/>
+              <a:t>Bandwagon effect refers to the desire or demand for a good by a person who wants to be in style because possession of a good is in fashion and therefore many others have it.</a:t>
             </a:r>
             <a:endParaRPr lang="en-IN" dirty="0"/>
           </a:p>
@@ -3977,7 +4167,7 @@
           <a:p>
             <a:r>
               <a:rPr lang="en-US" dirty="0"/>
-              <a:t>feeling or belonging-ness vs individual achievement</a:t>
+              <a:t>feeling of belongingness vs individual achievement</a:t>
             </a:r>
           </a:p>
           <a:p>
@@ -3989,6 +4179,46 @@
               <a:t>Government usually takes care of the bottom four</a:t>
             </a:r>
             <a:endParaRPr lang="en-IN" dirty="0"/>
+          </a:p>
+        </p:txBody>
+      </p:sp>
+      <p:sp>
+        <p:nvSpPr>
+          <p:cNvPr id="10" name="Rectangle 9">
+            <a:extLst>
+              <a:ext uri="{FF2B5EF4-FFF2-40B4-BE49-F238E27FC236}">
+                <a16:creationId xmlns:a16="http://schemas.microsoft.com/office/drawing/2014/main" id="{9CE6D823-D1FA-4F84-8C01-6E6F9ED16495}"/>
+              </a:ext>
+            </a:extLst>
+          </p:cNvPr>
+          <p:cNvSpPr/>
+          <p:nvPr/>
+        </p:nvSpPr>
+        <p:spPr>
+          <a:xfrm>
+            <a:off x="0" y="4771061"/>
+            <a:ext cx="3818202" cy="584775"/>
+          </a:xfrm>
+          <a:prstGeom prst="rect">
+            <a:avLst/>
+          </a:prstGeom>
+        </p:spPr>
+        <p:txBody>
+          <a:bodyPr wrap="square">
+            <a:spAutoFit/>
+          </a:bodyPr>
+          <a:lstStyle/>
+          <a:p>
+            <a:r>
+              <a:rPr lang="en-US" sz="1600" dirty="0">
+                <a:solidFill>
+                  <a:srgbClr val="000000"/>
+                </a:solidFill>
+                <a:latin typeface="Georgia" panose="02040502050405020303" pitchFamily="18" charset="0"/>
+              </a:rPr>
+              <a:t>protection from elements, security, order, law, stability, freedom from fear.</a:t>
+            </a:r>
+            <a:endParaRPr lang="en-IN" sz="1600" dirty="0"/>
           </a:p>
         </p:txBody>
       </p:sp>
@@ -4062,7 +4292,7 @@
         <p:spPr>
           <a:xfrm>
             <a:off x="457201" y="1575582"/>
-            <a:ext cx="8229600" cy="1754326"/>
+            <a:ext cx="8229600" cy="2585323"/>
           </a:xfrm>
           <a:prstGeom prst="rect">
             <a:avLst/>
@@ -4097,13 +4327,8 @@
           <a:p>
             <a:r>
               <a:rPr lang="en-US" dirty="0"/>
-              <a:t>examples : </a:t>
-            </a:r>
-            <a:r>
-              <a:rPr lang="en-US" dirty="0" err="1"/>
-              <a:t>air,water,diamond</a:t>
-            </a:r>
-            <a:endParaRPr lang="en-US" dirty="0"/>
+              <a:t>examples : air, water, diamond</a:t>
+            </a:r>
           </a:p>
           <a:p>
             <a:endParaRPr lang="en-US" dirty="0"/>
@@ -4118,6 +4343,39 @@
             <a:r>
               <a:rPr lang="en-US" dirty="0"/>
               <a:t>Difference between nudge and incentive</a:t>
+            </a:r>
+          </a:p>
+          <a:p>
+            <a:endParaRPr lang="en-US" dirty="0"/>
+          </a:p>
+          <a:p>
+            <a:r>
+              <a:rPr lang="en-US" dirty="0"/>
+              <a:t>(</a:t>
+            </a:r>
+            <a:r>
+              <a:rPr lang="en-US" dirty="0" err="1"/>
+              <a:t>i</a:t>
+            </a:r>
+            <a:r>
+              <a:rPr lang="en-US" dirty="0"/>
+              <a:t>) </a:t>
+            </a:r>
+            <a:r>
+              <a:rPr lang="en-US" b="1" dirty="0"/>
+              <a:t>esteem for oneself </a:t>
+            </a:r>
+            <a:r>
+              <a:rPr lang="en-US" dirty="0"/>
+              <a:t>(dignity, achievement, mastery, independence) and (ii) </a:t>
+            </a:r>
+            <a:r>
+              <a:rPr lang="en-US" b="1" dirty="0"/>
+              <a:t>the desire for reputation or respect from others</a:t>
+            </a:r>
+            <a:r>
+              <a:rPr lang="en-US" dirty="0"/>
+              <a:t> (e.g., status, prestige).</a:t>
             </a:r>
             <a:endParaRPr lang="en-IN" dirty="0"/>
           </a:p>
@@ -4287,6 +4545,50 @@
           </a:prstGeom>
         </p:spPr>
       </p:pic>
+      <p:sp>
+        <p:nvSpPr>
+          <p:cNvPr id="4" name="TextBox 3">
+            <a:extLst>
+              <a:ext uri="{FF2B5EF4-FFF2-40B4-BE49-F238E27FC236}">
+                <a16:creationId xmlns:a16="http://schemas.microsoft.com/office/drawing/2014/main" id="{61680B46-164D-4901-BEA1-33CDE48D36E5}"/>
+              </a:ext>
+            </a:extLst>
+          </p:cNvPr>
+          <p:cNvSpPr txBox="1"/>
+          <p:nvPr/>
+        </p:nvSpPr>
+        <p:spPr>
+          <a:xfrm>
+            <a:off x="7427741" y="4994031"/>
+            <a:ext cx="558166" cy="369332"/>
+          </a:xfrm>
+          <a:prstGeom prst="rect">
+            <a:avLst/>
+          </a:prstGeom>
+          <a:noFill/>
+        </p:spPr>
+        <p:txBody>
+          <a:bodyPr wrap="none" rtlCol="0">
+            <a:spAutoFit/>
+          </a:bodyPr>
+          <a:lstStyle/>
+          <a:p>
+            <a:r>
+              <a:rPr lang="en-US" dirty="0">
+                <a:solidFill>
+                  <a:srgbClr val="FF0000"/>
+                </a:solidFill>
+              </a:rPr>
+              <a:t>IMP</a:t>
+            </a:r>
+            <a:endParaRPr lang="en-IN" dirty="0">
+              <a:solidFill>
+                <a:srgbClr val="FF0000"/>
+              </a:solidFill>
+            </a:endParaRPr>
+          </a:p>
+        </p:txBody>
+      </p:sp>
     </p:spTree>
     <p:extLst>
       <p:ext uri="{BB962C8B-B14F-4D97-AF65-F5344CB8AC3E}">
@@ -4445,7 +4747,15 @@
           <a:p>
             <a:r>
               <a:rPr lang="en-US" dirty="0"/>
-              <a:t>Capital should be transferrable. </a:t>
+              <a:t>Capital should be </a:t>
+            </a:r>
+            <a:r>
+              <a:rPr lang="en-US" b="1" dirty="0"/>
+              <a:t>transferrable</a:t>
+            </a:r>
+            <a:r>
+              <a:rPr lang="en-US" dirty="0"/>
+              <a:t>. </a:t>
             </a:r>
           </a:p>
           <a:p>
